--- a/research/nfc-based-qr-replacement2.pptx
+++ b/research/nfc-based-qr-replacement2.pptx
@@ -291,7 +291,7 @@
           <a:p>
             <a:fld id="{97D0A670-7813-4138-9E5C-CE602A051C3C}" type="datetimeFigureOut">
               <a:rPr lang="en-US" smtClean="0"/>
-              <a:t>2018-07-08</a:t>
+              <a:t>2018-07-09</a:t>
             </a:fld>
             <a:endParaRPr lang="en-US"/>
           </a:p>
@@ -461,7 +461,7 @@
           <a:p>
             <a:fld id="{97D0A670-7813-4138-9E5C-CE602A051C3C}" type="datetimeFigureOut">
               <a:rPr lang="en-US" smtClean="0"/>
-              <a:t>2018-07-08</a:t>
+              <a:t>2018-07-09</a:t>
             </a:fld>
             <a:endParaRPr lang="en-US"/>
           </a:p>
@@ -641,7 +641,7 @@
           <a:p>
             <a:fld id="{97D0A670-7813-4138-9E5C-CE602A051C3C}" type="datetimeFigureOut">
               <a:rPr lang="en-US" smtClean="0"/>
-              <a:t>2018-07-08</a:t>
+              <a:t>2018-07-09</a:t>
             </a:fld>
             <a:endParaRPr lang="en-US"/>
           </a:p>
@@ -883,7 +883,7 @@
           <a:p>
             <a:fld id="{2CD378D0-82C9-47C6-BEE5-E347AC6F0A5E}" type="datetimeFigureOut">
               <a:rPr lang="en-US" smtClean="0"/>
-              <a:t>2018-07-08</a:t>
+              <a:t>2018-07-09</a:t>
             </a:fld>
             <a:endParaRPr lang="en-US"/>
           </a:p>
@@ -1053,7 +1053,7 @@
           <a:p>
             <a:fld id="{2CD378D0-82C9-47C6-BEE5-E347AC6F0A5E}" type="datetimeFigureOut">
               <a:rPr lang="en-US" smtClean="0"/>
-              <a:t>2018-07-08</a:t>
+              <a:t>2018-07-09</a:t>
             </a:fld>
             <a:endParaRPr lang="en-US"/>
           </a:p>
@@ -1299,7 +1299,7 @@
           <a:p>
             <a:fld id="{2CD378D0-82C9-47C6-BEE5-E347AC6F0A5E}" type="datetimeFigureOut">
               <a:rPr lang="en-US" smtClean="0"/>
-              <a:t>2018-07-08</a:t>
+              <a:t>2018-07-09</a:t>
             </a:fld>
             <a:endParaRPr lang="en-US"/>
           </a:p>
@@ -1587,7 +1587,7 @@
           <a:p>
             <a:fld id="{2CD378D0-82C9-47C6-BEE5-E347AC6F0A5E}" type="datetimeFigureOut">
               <a:rPr lang="en-US" smtClean="0"/>
-              <a:t>2018-07-08</a:t>
+              <a:t>2018-07-09</a:t>
             </a:fld>
             <a:endParaRPr lang="en-US"/>
           </a:p>
@@ -2009,7 +2009,7 @@
           <a:p>
             <a:fld id="{2CD378D0-82C9-47C6-BEE5-E347AC6F0A5E}" type="datetimeFigureOut">
               <a:rPr lang="en-US" smtClean="0"/>
-              <a:t>2018-07-08</a:t>
+              <a:t>2018-07-09</a:t>
             </a:fld>
             <a:endParaRPr lang="en-US"/>
           </a:p>
@@ -2127,7 +2127,7 @@
           <a:p>
             <a:fld id="{2CD378D0-82C9-47C6-BEE5-E347AC6F0A5E}" type="datetimeFigureOut">
               <a:rPr lang="en-US" smtClean="0"/>
-              <a:t>2018-07-08</a:t>
+              <a:t>2018-07-09</a:t>
             </a:fld>
             <a:endParaRPr lang="en-US"/>
           </a:p>
@@ -2222,7 +2222,7 @@
           <a:p>
             <a:fld id="{2CD378D0-82C9-47C6-BEE5-E347AC6F0A5E}" type="datetimeFigureOut">
               <a:rPr lang="en-US" smtClean="0"/>
-              <a:t>2018-07-08</a:t>
+              <a:t>2018-07-09</a:t>
             </a:fld>
             <a:endParaRPr lang="en-US"/>
           </a:p>
@@ -2499,7 +2499,7 @@
           <a:p>
             <a:fld id="{2CD378D0-82C9-47C6-BEE5-E347AC6F0A5E}" type="datetimeFigureOut">
               <a:rPr lang="en-US" smtClean="0"/>
-              <a:t>2018-07-08</a:t>
+              <a:t>2018-07-09</a:t>
             </a:fld>
             <a:endParaRPr lang="en-US"/>
           </a:p>
@@ -2669,7 +2669,7 @@
           <a:p>
             <a:fld id="{97D0A670-7813-4138-9E5C-CE602A051C3C}" type="datetimeFigureOut">
               <a:rPr lang="en-US" smtClean="0"/>
-              <a:t>2018-07-08</a:t>
+              <a:t>2018-07-09</a:t>
             </a:fld>
             <a:endParaRPr lang="en-US"/>
           </a:p>
@@ -2922,7 +2922,7 @@
           <a:p>
             <a:fld id="{2CD378D0-82C9-47C6-BEE5-E347AC6F0A5E}" type="datetimeFigureOut">
               <a:rPr lang="en-US" smtClean="0"/>
-              <a:t>2018-07-08</a:t>
+              <a:t>2018-07-09</a:t>
             </a:fld>
             <a:endParaRPr lang="en-US"/>
           </a:p>
@@ -3092,7 +3092,7 @@
           <a:p>
             <a:fld id="{2CD378D0-82C9-47C6-BEE5-E347AC6F0A5E}" type="datetimeFigureOut">
               <a:rPr lang="en-US" smtClean="0"/>
-              <a:t>2018-07-08</a:t>
+              <a:t>2018-07-09</a:t>
             </a:fld>
             <a:endParaRPr lang="en-US"/>
           </a:p>
@@ -3272,7 +3272,7 @@
           <a:p>
             <a:fld id="{2CD378D0-82C9-47C6-BEE5-E347AC6F0A5E}" type="datetimeFigureOut">
               <a:rPr lang="en-US" smtClean="0"/>
-              <a:t>2018-07-08</a:t>
+              <a:t>2018-07-09</a:t>
             </a:fld>
             <a:endParaRPr lang="en-US"/>
           </a:p>
@@ -3514,7 +3514,7 @@
           <a:p>
             <a:fld id="{B96FFCCF-F4AB-4D56-AEE8-39DF7F28FF62}" type="datetimeFigureOut">
               <a:rPr lang="en-US" smtClean="0"/>
-              <a:t>2018-07-08</a:t>
+              <a:t>2018-07-09</a:t>
             </a:fld>
             <a:endParaRPr lang="en-US"/>
           </a:p>
@@ -3684,7 +3684,7 @@
           <a:p>
             <a:fld id="{B96FFCCF-F4AB-4D56-AEE8-39DF7F28FF62}" type="datetimeFigureOut">
               <a:rPr lang="en-US" smtClean="0"/>
-              <a:t>2018-07-08</a:t>
+              <a:t>2018-07-09</a:t>
             </a:fld>
             <a:endParaRPr lang="en-US"/>
           </a:p>
@@ -3930,7 +3930,7 @@
           <a:p>
             <a:fld id="{B96FFCCF-F4AB-4D56-AEE8-39DF7F28FF62}" type="datetimeFigureOut">
               <a:rPr lang="en-US" smtClean="0"/>
-              <a:t>2018-07-08</a:t>
+              <a:t>2018-07-09</a:t>
             </a:fld>
             <a:endParaRPr lang="en-US"/>
           </a:p>
@@ -4218,7 +4218,7 @@
           <a:p>
             <a:fld id="{B96FFCCF-F4AB-4D56-AEE8-39DF7F28FF62}" type="datetimeFigureOut">
               <a:rPr lang="en-US" smtClean="0"/>
-              <a:t>2018-07-08</a:t>
+              <a:t>2018-07-09</a:t>
             </a:fld>
             <a:endParaRPr lang="en-US"/>
           </a:p>
@@ -4640,7 +4640,7 @@
           <a:p>
             <a:fld id="{B96FFCCF-F4AB-4D56-AEE8-39DF7F28FF62}" type="datetimeFigureOut">
               <a:rPr lang="en-US" smtClean="0"/>
-              <a:t>2018-07-08</a:t>
+              <a:t>2018-07-09</a:t>
             </a:fld>
             <a:endParaRPr lang="en-US"/>
           </a:p>
@@ -4758,7 +4758,7 @@
           <a:p>
             <a:fld id="{B96FFCCF-F4AB-4D56-AEE8-39DF7F28FF62}" type="datetimeFigureOut">
               <a:rPr lang="en-US" smtClean="0"/>
-              <a:t>2018-07-08</a:t>
+              <a:t>2018-07-09</a:t>
             </a:fld>
             <a:endParaRPr lang="en-US"/>
           </a:p>
@@ -4853,7 +4853,7 @@
           <a:p>
             <a:fld id="{B96FFCCF-F4AB-4D56-AEE8-39DF7F28FF62}" type="datetimeFigureOut">
               <a:rPr lang="en-US" smtClean="0"/>
-              <a:t>2018-07-08</a:t>
+              <a:t>2018-07-09</a:t>
             </a:fld>
             <a:endParaRPr lang="en-US"/>
           </a:p>
@@ -5099,7 +5099,7 @@
           <a:p>
             <a:fld id="{97D0A670-7813-4138-9E5C-CE602A051C3C}" type="datetimeFigureOut">
               <a:rPr lang="en-US" smtClean="0"/>
-              <a:t>2018-07-08</a:t>
+              <a:t>2018-07-09</a:t>
             </a:fld>
             <a:endParaRPr lang="en-US"/>
           </a:p>
@@ -5376,7 +5376,7 @@
           <a:p>
             <a:fld id="{B96FFCCF-F4AB-4D56-AEE8-39DF7F28FF62}" type="datetimeFigureOut">
               <a:rPr lang="en-US" smtClean="0"/>
-              <a:t>2018-07-08</a:t>
+              <a:t>2018-07-09</a:t>
             </a:fld>
             <a:endParaRPr lang="en-US"/>
           </a:p>
@@ -5629,7 +5629,7 @@
           <a:p>
             <a:fld id="{B96FFCCF-F4AB-4D56-AEE8-39DF7F28FF62}" type="datetimeFigureOut">
               <a:rPr lang="en-US" smtClean="0"/>
-              <a:t>2018-07-08</a:t>
+              <a:t>2018-07-09</a:t>
             </a:fld>
             <a:endParaRPr lang="en-US"/>
           </a:p>
@@ -5799,7 +5799,7 @@
           <a:p>
             <a:fld id="{B96FFCCF-F4AB-4D56-AEE8-39DF7F28FF62}" type="datetimeFigureOut">
               <a:rPr lang="en-US" smtClean="0"/>
-              <a:t>2018-07-08</a:t>
+              <a:t>2018-07-09</a:t>
             </a:fld>
             <a:endParaRPr lang="en-US"/>
           </a:p>
@@ -5979,7 +5979,7 @@
           <a:p>
             <a:fld id="{B96FFCCF-F4AB-4D56-AEE8-39DF7F28FF62}" type="datetimeFigureOut">
               <a:rPr lang="en-US" smtClean="0"/>
-              <a:t>2018-07-08</a:t>
+              <a:t>2018-07-09</a:t>
             </a:fld>
             <a:endParaRPr lang="en-US"/>
           </a:p>
@@ -6221,7 +6221,7 @@
           <a:p>
             <a:fld id="{E90DB797-294B-4B2B-9A48-229F3ACF3E1A}" type="datetimeFigureOut">
               <a:rPr lang="en-US" smtClean="0"/>
-              <a:t>2018-07-08</a:t>
+              <a:t>2018-07-09</a:t>
             </a:fld>
             <a:endParaRPr lang="en-US"/>
           </a:p>
@@ -6391,7 +6391,7 @@
           <a:p>
             <a:fld id="{E90DB797-294B-4B2B-9A48-229F3ACF3E1A}" type="datetimeFigureOut">
               <a:rPr lang="en-US" smtClean="0"/>
-              <a:t>2018-07-08</a:t>
+              <a:t>2018-07-09</a:t>
             </a:fld>
             <a:endParaRPr lang="en-US"/>
           </a:p>
@@ -6637,7 +6637,7 @@
           <a:p>
             <a:fld id="{E90DB797-294B-4B2B-9A48-229F3ACF3E1A}" type="datetimeFigureOut">
               <a:rPr lang="en-US" smtClean="0"/>
-              <a:t>2018-07-08</a:t>
+              <a:t>2018-07-09</a:t>
             </a:fld>
             <a:endParaRPr lang="en-US"/>
           </a:p>
@@ -6925,7 +6925,7 @@
           <a:p>
             <a:fld id="{E90DB797-294B-4B2B-9A48-229F3ACF3E1A}" type="datetimeFigureOut">
               <a:rPr lang="en-US" smtClean="0"/>
-              <a:t>2018-07-08</a:t>
+              <a:t>2018-07-09</a:t>
             </a:fld>
             <a:endParaRPr lang="en-US"/>
           </a:p>
@@ -7347,7 +7347,7 @@
           <a:p>
             <a:fld id="{E90DB797-294B-4B2B-9A48-229F3ACF3E1A}" type="datetimeFigureOut">
               <a:rPr lang="en-US" smtClean="0"/>
-              <a:t>2018-07-08</a:t>
+              <a:t>2018-07-09</a:t>
             </a:fld>
             <a:endParaRPr lang="en-US"/>
           </a:p>
@@ -7465,7 +7465,7 @@
           <a:p>
             <a:fld id="{E90DB797-294B-4B2B-9A48-229F3ACF3E1A}" type="datetimeFigureOut">
               <a:rPr lang="en-US" smtClean="0"/>
-              <a:t>2018-07-08</a:t>
+              <a:t>2018-07-09</a:t>
             </a:fld>
             <a:endParaRPr lang="en-US"/>
           </a:p>
@@ -7753,7 +7753,7 @@
           <a:p>
             <a:fld id="{97D0A670-7813-4138-9E5C-CE602A051C3C}" type="datetimeFigureOut">
               <a:rPr lang="en-US" smtClean="0"/>
-              <a:t>2018-07-08</a:t>
+              <a:t>2018-07-09</a:t>
             </a:fld>
             <a:endParaRPr lang="en-US"/>
           </a:p>
@@ -7848,7 +7848,7 @@
           <a:p>
             <a:fld id="{E90DB797-294B-4B2B-9A48-229F3ACF3E1A}" type="datetimeFigureOut">
               <a:rPr lang="en-US" smtClean="0"/>
-              <a:t>2018-07-08</a:t>
+              <a:t>2018-07-09</a:t>
             </a:fld>
             <a:endParaRPr lang="en-US"/>
           </a:p>
@@ -8125,7 +8125,7 @@
           <a:p>
             <a:fld id="{E90DB797-294B-4B2B-9A48-229F3ACF3E1A}" type="datetimeFigureOut">
               <a:rPr lang="en-US" smtClean="0"/>
-              <a:t>2018-07-08</a:t>
+              <a:t>2018-07-09</a:t>
             </a:fld>
             <a:endParaRPr lang="en-US"/>
           </a:p>
@@ -8378,7 +8378,7 @@
           <a:p>
             <a:fld id="{E90DB797-294B-4B2B-9A48-229F3ACF3E1A}" type="datetimeFigureOut">
               <a:rPr lang="en-US" smtClean="0"/>
-              <a:t>2018-07-08</a:t>
+              <a:t>2018-07-09</a:t>
             </a:fld>
             <a:endParaRPr lang="en-US"/>
           </a:p>
@@ -8548,7 +8548,7 @@
           <a:p>
             <a:fld id="{E90DB797-294B-4B2B-9A48-229F3ACF3E1A}" type="datetimeFigureOut">
               <a:rPr lang="en-US" smtClean="0"/>
-              <a:t>2018-07-08</a:t>
+              <a:t>2018-07-09</a:t>
             </a:fld>
             <a:endParaRPr lang="en-US"/>
           </a:p>
@@ -8728,7 +8728,7 @@
           <a:p>
             <a:fld id="{E90DB797-294B-4B2B-9A48-229F3ACF3E1A}" type="datetimeFigureOut">
               <a:rPr lang="en-US" smtClean="0"/>
-              <a:t>2018-07-08</a:t>
+              <a:t>2018-07-09</a:t>
             </a:fld>
             <a:endParaRPr lang="en-US"/>
           </a:p>
@@ -9150,7 +9150,7 @@
           <a:p>
             <a:fld id="{97D0A670-7813-4138-9E5C-CE602A051C3C}" type="datetimeFigureOut">
               <a:rPr lang="en-US" smtClean="0"/>
-              <a:t>2018-07-08</a:t>
+              <a:t>2018-07-09</a:t>
             </a:fld>
             <a:endParaRPr lang="en-US"/>
           </a:p>
@@ -9268,7 +9268,7 @@
           <a:p>
             <a:fld id="{97D0A670-7813-4138-9E5C-CE602A051C3C}" type="datetimeFigureOut">
               <a:rPr lang="en-US" smtClean="0"/>
-              <a:t>2018-07-08</a:t>
+              <a:t>2018-07-09</a:t>
             </a:fld>
             <a:endParaRPr lang="en-US"/>
           </a:p>
@@ -9363,7 +9363,7 @@
           <a:p>
             <a:fld id="{97D0A670-7813-4138-9E5C-CE602A051C3C}" type="datetimeFigureOut">
               <a:rPr lang="en-US" smtClean="0"/>
-              <a:t>2018-07-08</a:t>
+              <a:t>2018-07-09</a:t>
             </a:fld>
             <a:endParaRPr lang="en-US"/>
           </a:p>
@@ -9640,7 +9640,7 @@
           <a:p>
             <a:fld id="{97D0A670-7813-4138-9E5C-CE602A051C3C}" type="datetimeFigureOut">
               <a:rPr lang="en-US" smtClean="0"/>
-              <a:t>2018-07-08</a:t>
+              <a:t>2018-07-09</a:t>
             </a:fld>
             <a:endParaRPr lang="en-US"/>
           </a:p>
@@ -9893,7 +9893,7 @@
           <a:p>
             <a:fld id="{97D0A670-7813-4138-9E5C-CE602A051C3C}" type="datetimeFigureOut">
               <a:rPr lang="en-US" smtClean="0"/>
-              <a:t>2018-07-08</a:t>
+              <a:t>2018-07-09</a:t>
             </a:fld>
             <a:endParaRPr lang="en-US"/>
           </a:p>
@@ -10106,7 +10106,7 @@
           <a:p>
             <a:fld id="{97D0A670-7813-4138-9E5C-CE602A051C3C}" type="datetimeFigureOut">
               <a:rPr lang="en-US" smtClean="0"/>
-              <a:t>2018-07-08</a:t>
+              <a:t>2018-07-09</a:t>
             </a:fld>
             <a:endParaRPr lang="en-US"/>
           </a:p>
@@ -10616,7 +10616,7 @@
           <a:p>
             <a:fld id="{2CD378D0-82C9-47C6-BEE5-E347AC6F0A5E}" type="datetimeFigureOut">
               <a:rPr lang="en-US" smtClean="0"/>
-              <a:t>2018-07-08</a:t>
+              <a:t>2018-07-09</a:t>
             </a:fld>
             <a:endParaRPr lang="en-US"/>
           </a:p>
@@ -11126,7 +11126,7 @@
           <a:p>
             <a:fld id="{B96FFCCF-F4AB-4D56-AEE8-39DF7F28FF62}" type="datetimeFigureOut">
               <a:rPr lang="en-US" smtClean="0"/>
-              <a:t>2018-07-08</a:t>
+              <a:t>2018-07-09</a:t>
             </a:fld>
             <a:endParaRPr lang="en-US"/>
           </a:p>
@@ -11636,7 +11636,7 @@
           <a:p>
             <a:fld id="{E90DB797-294B-4B2B-9A48-229F3ACF3E1A}" type="datetimeFigureOut">
               <a:rPr lang="en-US" smtClean="0"/>
-              <a:t>2018-07-08</a:t>
+              <a:t>2018-07-09</a:t>
             </a:fld>
             <a:endParaRPr lang="en-US"/>
           </a:p>
@@ -12077,8 +12077,8 @@
         </p:blipFill>
         <p:spPr bwMode="auto">
           <a:xfrm>
-            <a:off x="4485537" y="621742"/>
-            <a:ext cx="999555" cy="728565"/>
+            <a:off x="4509353" y="653158"/>
+            <a:ext cx="806692" cy="587989"/>
           </a:xfrm>
           <a:prstGeom prst="rect">
             <a:avLst/>
@@ -12103,8 +12103,8 @@
         </p:nvCxnSpPr>
         <p:spPr>
           <a:xfrm flipH="1">
-            <a:off x="4909495" y="1316581"/>
-            <a:ext cx="1720" cy="12816000"/>
+            <a:off x="4909495" y="1192763"/>
+            <a:ext cx="1720" cy="12960000"/>
           </a:xfrm>
           <a:prstGeom prst="line">
             <a:avLst/>
@@ -12248,14 +12248,7 @@
                   <a:latin typeface="Arial" panose="020B0604020202020204" pitchFamily="34" charset="0"/>
                   <a:cs typeface="Arial" panose="020B0604020202020204" pitchFamily="34" charset="0"/>
                 </a:rPr>
-                <a:t>Error </a:t>
-              </a:r>
-              <a:r>
-                <a:rPr lang="en-US" sz="1000" dirty="0" smtClean="0">
-                  <a:latin typeface="Arial" panose="020B0604020202020204" pitchFamily="34" charset="0"/>
-                  <a:cs typeface="Arial" panose="020B0604020202020204" pitchFamily="34" charset="0"/>
-                </a:rPr>
-                <a:t>(“Session”)</a:t>
+                <a:t>Error (“Session”)</a:t>
               </a:r>
               <a:endParaRPr lang="en-US" sz="1000" dirty="0">
                 <a:latin typeface="Arial" panose="020B0604020202020204" pitchFamily="34" charset="0"/>
@@ -12431,28 +12424,7 @@
                   <a:latin typeface="Arial" panose="020B0604020202020204" pitchFamily="34" charset="0"/>
                   <a:cs typeface="Arial" panose="020B0604020202020204" pitchFamily="34" charset="0"/>
                 </a:rPr>
-                <a:t>Error </a:t>
-              </a:r>
-              <a:r>
-                <a:rPr lang="en-US" sz="1000" dirty="0" smtClean="0">
-                  <a:latin typeface="Arial" panose="020B0604020202020204" pitchFamily="34" charset="0"/>
-                  <a:cs typeface="Arial" panose="020B0604020202020204" pitchFamily="34" charset="0"/>
-                </a:rPr>
-                <a:t>(“</a:t>
-              </a:r>
-              <a:r>
-                <a:rPr lang="en-US" sz="1000" dirty="0" smtClean="0">
-                  <a:latin typeface="Arial" panose="020B0604020202020204" pitchFamily="34" charset="0"/>
-                  <a:cs typeface="Arial" panose="020B0604020202020204" pitchFamily="34" charset="0"/>
-                </a:rPr>
-                <a:t>Missing</a:t>
-              </a:r>
-              <a:r>
-                <a:rPr lang="en-US" sz="1000" dirty="0" smtClean="0">
-                  <a:latin typeface="Arial" panose="020B0604020202020204" pitchFamily="34" charset="0"/>
-                  <a:cs typeface="Arial" panose="020B0604020202020204" pitchFamily="34" charset="0"/>
-                </a:rPr>
-                <a:t>”)</a:t>
+                <a:t>Error (“Missing”)</a:t>
               </a:r>
               <a:endParaRPr lang="en-US" sz="1000" dirty="0">
                 <a:latin typeface="Arial" panose="020B0604020202020204" pitchFamily="34" charset="0"/>
@@ -12988,8 +12960,8 @@
         </p:nvCxnSpPr>
         <p:spPr>
           <a:xfrm flipH="1">
-            <a:off x="2532044" y="1221172"/>
-            <a:ext cx="1938" cy="12888000"/>
+            <a:off x="2532044" y="1224459"/>
+            <a:ext cx="1938" cy="12924000"/>
           </a:xfrm>
           <a:prstGeom prst="line">
             <a:avLst/>
@@ -13060,7 +13032,7 @@
         </p:nvSpPr>
         <p:spPr>
           <a:xfrm>
-            <a:off x="1993826" y="258738"/>
+            <a:off x="1922142" y="258738"/>
             <a:ext cx="1217001" cy="461665"/>
           </a:xfrm>
           <a:prstGeom prst="rect">
@@ -15668,14 +15640,7 @@
                 <a:latin typeface="Arial" panose="020B0604020202020204" pitchFamily="34" charset="0"/>
                 <a:cs typeface="Arial" panose="020B0604020202020204" pitchFamily="34" charset="0"/>
               </a:rPr>
-              <a:t>Get Application </a:t>
-            </a:r>
-            <a:r>
-              <a:rPr lang="en-US" sz="1200" dirty="0" smtClean="0">
-                <a:latin typeface="Arial" panose="020B0604020202020204" pitchFamily="34" charset="0"/>
-                <a:cs typeface="Arial" panose="020B0604020202020204" pitchFamily="34" charset="0"/>
-              </a:rPr>
-              <a:t>Page + Cookie</a:t>
+              <a:t>Get Application Page + Cookie</a:t>
             </a:r>
             <a:endParaRPr lang="en-US" sz="1200" dirty="0">
               <a:latin typeface="Arial" panose="020B0604020202020204" pitchFamily="34" charset="0"/>
@@ -16447,37 +16412,16 @@
                 <a:latin typeface="Arial" panose="020B0604020202020204" pitchFamily="34" charset="0"/>
                 <a:cs typeface="Arial" panose="020B0604020202020204" pitchFamily="34" charset="0"/>
               </a:rPr>
-              <a:t>10.1 Verify Hash </a:t>
-            </a:r>
+              <a:t>10.1 Verify Hash Of Server</a:t>
+            </a:r>
+          </a:p>
+          <a:p>
             <a:r>
               <a:rPr lang="en-US" sz="1000" dirty="0" smtClean="0">
                 <a:latin typeface="Arial" panose="020B0604020202020204" pitchFamily="34" charset="0"/>
                 <a:cs typeface="Arial" panose="020B0604020202020204" pitchFamily="34" charset="0"/>
               </a:rPr>
-              <a:t>Of </a:t>
-            </a:r>
-            <a:r>
-              <a:rPr lang="en-US" sz="1000" dirty="0" smtClean="0">
-                <a:latin typeface="Arial" panose="020B0604020202020204" pitchFamily="34" charset="0"/>
-                <a:cs typeface="Arial" panose="020B0604020202020204" pitchFamily="34" charset="0"/>
-              </a:rPr>
-              <a:t>Server</a:t>
-            </a:r>
-          </a:p>
-          <a:p>
-            <a:r>
-              <a:rPr lang="en-US" sz="1000" dirty="0" smtClean="0">
-                <a:latin typeface="Arial" panose="020B0604020202020204" pitchFamily="34" charset="0"/>
-                <a:cs typeface="Arial" panose="020B0604020202020204" pitchFamily="34" charset="0"/>
-              </a:rPr>
-              <a:t> </a:t>
-            </a:r>
-            <a:r>
-              <a:rPr lang="en-US" sz="1000" dirty="0" smtClean="0">
-                <a:latin typeface="Arial" panose="020B0604020202020204" pitchFamily="34" charset="0"/>
-                <a:cs typeface="Arial" panose="020B0604020202020204" pitchFamily="34" charset="0"/>
-              </a:rPr>
-              <a:t>Certificate</a:t>
+              <a:t> Certificate</a:t>
             </a:r>
             <a:endParaRPr lang="en-US" sz="1000" dirty="0">
               <a:latin typeface="Arial" panose="020B0604020202020204" pitchFamily="34" charset="0"/>
@@ -16628,28 +16572,7 @@
                 <a:latin typeface="Arial" panose="020B0604020202020204" pitchFamily="34" charset="0"/>
                 <a:cs typeface="Arial" panose="020B0604020202020204" pitchFamily="34" charset="0"/>
               </a:rPr>
-              <a:t>Login</a:t>
-            </a:r>
-            <a:r>
-              <a:rPr lang="en-US" sz="1000" dirty="0" smtClean="0">
-                <a:latin typeface="Arial" panose="020B0604020202020204" pitchFamily="34" charset="0"/>
-                <a:cs typeface="Arial" panose="020B0604020202020204" pitchFamily="34" charset="0"/>
-              </a:rPr>
-              <a:t> </a:t>
-            </a:r>
-            <a:r>
-              <a:rPr lang="en-US" sz="1000" dirty="0" smtClean="0">
-                <a:latin typeface="Arial" panose="020B0604020202020204" pitchFamily="34" charset="0"/>
-                <a:cs typeface="Arial" panose="020B0604020202020204" pitchFamily="34" charset="0"/>
-              </a:rPr>
-              <a:t>Session </a:t>
-            </a:r>
-            <a:r>
-              <a:rPr lang="en-US" sz="1000" dirty="0" smtClean="0">
-                <a:latin typeface="Arial" panose="020B0604020202020204" pitchFamily="34" charset="0"/>
-                <a:cs typeface="Arial" panose="020B0604020202020204" pitchFamily="34" charset="0"/>
-              </a:rPr>
-              <a:t/>
+              <a:t>Login Session </a:t>
             </a:r>
             <a:br>
               <a:rPr lang="en-US" sz="1000" dirty="0" smtClean="0">
@@ -16662,14 +16585,7 @@
                 <a:latin typeface="Arial" panose="020B0604020202020204" pitchFamily="34" charset="0"/>
                 <a:cs typeface="Arial" panose="020B0604020202020204" pitchFamily="34" charset="0"/>
               </a:rPr>
-              <a:t>using Received </a:t>
-            </a:r>
-            <a:r>
-              <a:rPr lang="en-US" sz="1000" dirty="0" smtClean="0">
-                <a:latin typeface="Arial" panose="020B0604020202020204" pitchFamily="34" charset="0"/>
-                <a:cs typeface="Arial" panose="020B0604020202020204" pitchFamily="34" charset="0"/>
-              </a:rPr>
-              <a:t>Session Data</a:t>
+              <a:t>using Received Session Data</a:t>
             </a:r>
             <a:endParaRPr lang="en-US" sz="1000" dirty="0">
               <a:latin typeface="Arial" panose="020B0604020202020204" pitchFamily="34" charset="0"/>
@@ -16808,14 +16724,7 @@
                 <a:latin typeface="Arial" panose="020B0604020202020204" pitchFamily="34" charset="0"/>
                 <a:cs typeface="Arial" panose="020B0604020202020204" pitchFamily="34" charset="0"/>
               </a:rPr>
-              <a:t>User </a:t>
-            </a:r>
-            <a:r>
-              <a:rPr lang="en-US" sz="1000" dirty="0" smtClean="0">
-                <a:latin typeface="Arial" panose="020B0604020202020204" pitchFamily="34" charset="0"/>
-                <a:cs typeface="Arial" panose="020B0604020202020204" pitchFamily="34" charset="0"/>
-              </a:rPr>
-              <a:t>Credentials</a:t>
+              <a:t>User Credentials</a:t>
             </a:r>
             <a:br>
               <a:rPr lang="en-US" sz="1000" dirty="0" smtClean="0">
@@ -16888,14 +16797,7 @@
                 <a:latin typeface="Arial" panose="020B0604020202020204" pitchFamily="34" charset="0"/>
                 <a:cs typeface="Arial" panose="020B0604020202020204" pitchFamily="34" charset="0"/>
               </a:rPr>
-              <a:t>Web </a:t>
-            </a:r>
-            <a:r>
-              <a:rPr lang="en-US" sz="1000" dirty="0" smtClean="0">
-                <a:latin typeface="Arial" panose="020B0604020202020204" pitchFamily="34" charset="0"/>
-                <a:cs typeface="Arial" panose="020B0604020202020204" pitchFamily="34" charset="0"/>
-              </a:rPr>
-              <a:t>Session</a:t>
+              <a:t>Web Session</a:t>
             </a:r>
             <a:endParaRPr lang="en-US" sz="1000" dirty="0">
               <a:latin typeface="Arial" panose="020B0604020202020204" pitchFamily="34" charset="0"/>
@@ -17966,14 +17868,7 @@
                 <a:latin typeface="Arial" panose="020B0604020202020204" pitchFamily="34" charset="0"/>
                 <a:cs typeface="Arial" panose="020B0604020202020204" pitchFamily="34" charset="0"/>
               </a:rPr>
-              <a:t>Automatic Start of Login </a:t>
-            </a:r>
-            <a:r>
-              <a:rPr lang="en-US" sz="1200" dirty="0" smtClean="0">
-                <a:latin typeface="Arial" panose="020B0604020202020204" pitchFamily="34" charset="0"/>
-                <a:cs typeface="Arial" panose="020B0604020202020204" pitchFamily="34" charset="0"/>
-              </a:rPr>
-              <a:t>(</a:t>
+              <a:t>Automatic Start of Login (</a:t>
             </a:r>
             <a:r>
               <a:rPr lang="en-US" sz="1000" b="1" dirty="0" err="1">
@@ -17992,14 +17887,7 @@
                 <a:latin typeface="Arial" panose="020B0604020202020204" pitchFamily="34" charset="0"/>
                 <a:cs typeface="Arial" panose="020B0604020202020204" pitchFamily="34" charset="0"/>
               </a:rPr>
-              <a:t>) </a:t>
-            </a:r>
-            <a:r>
-              <a:rPr lang="en-US" sz="1200" dirty="0" smtClean="0">
-                <a:latin typeface="Arial" panose="020B0604020202020204" pitchFamily="34" charset="0"/>
-                <a:cs typeface="Arial" panose="020B0604020202020204" pitchFamily="34" charset="0"/>
-              </a:rPr>
-              <a:t>App</a:t>
+              <a:t>) App</a:t>
             </a:r>
             <a:endParaRPr lang="en-US" sz="1200" dirty="0">
               <a:latin typeface="Arial" panose="020B0604020202020204" pitchFamily="34" charset="0"/>
@@ -19116,14 +19004,7 @@
                 <a:latin typeface="Arial" panose="020B0604020202020204" pitchFamily="34" charset="0"/>
                 <a:cs typeface="Arial" panose="020B0604020202020204" pitchFamily="34" charset="0"/>
               </a:rPr>
-              <a:t>Login </a:t>
-            </a:r>
-            <a:r>
-              <a:rPr lang="en-US" sz="1000" dirty="0" smtClean="0">
-                <a:latin typeface="Arial" panose="020B0604020202020204" pitchFamily="34" charset="0"/>
-                <a:cs typeface="Arial" panose="020B0604020202020204" pitchFamily="34" charset="0"/>
-              </a:rPr>
-              <a:t>Page State Service</a:t>
+              <a:t>Login Page State Service</a:t>
             </a:r>
             <a:endParaRPr lang="en-US" sz="1000" dirty="0">
               <a:latin typeface="Arial" panose="020B0604020202020204" pitchFamily="34" charset="0"/>
@@ -19140,8 +19021,8 @@
         </p:nvSpPr>
         <p:spPr>
           <a:xfrm>
-            <a:off x="10949398" y="14330495"/>
-            <a:ext cx="1327607" cy="215444"/>
+            <a:off x="10949397" y="14330495"/>
+            <a:ext cx="1327608" cy="215444"/>
           </a:xfrm>
           <a:prstGeom prst="rect">
             <a:avLst/>
@@ -19163,18 +19044,18 @@
               <a:t>A.Rrundgren</a:t>
             </a:r>
             <a:r>
-              <a:rPr lang="en-US" sz="800" dirty="0" smtClean="0">
+              <a:rPr lang="en-US" sz="800" smtClean="0">
                 <a:latin typeface="Arial" panose="020B0604020202020204" pitchFamily="34" charset="0"/>
                 <a:cs typeface="Arial" panose="020B0604020202020204" pitchFamily="34" charset="0"/>
               </a:rPr>
               <a:t> </a:t>
             </a:r>
             <a:r>
-              <a:rPr lang="en-US" sz="800" dirty="0" smtClean="0">
+              <a:rPr lang="en-US" sz="800" smtClean="0">
                 <a:latin typeface="Arial" panose="020B0604020202020204" pitchFamily="34" charset="0"/>
                 <a:cs typeface="Arial" panose="020B0604020202020204" pitchFamily="34" charset="0"/>
               </a:rPr>
-              <a:t>2018-07-08</a:t>
+              <a:t>2018-07-09</a:t>
             </a:r>
             <a:endParaRPr lang="en-US" sz="800" dirty="0">
               <a:latin typeface="Arial" panose="020B0604020202020204" pitchFamily="34" charset="0"/>
